--- a/Dineshwari-resume.pptx
+++ b/Dineshwari-resume.pptx
@@ -3702,17 +3702,6 @@
                 <a:spcPct val="114000"/>
               </a:lnSpc>
             </a:pPr>
-            <a:r>
-              <a:rPr lang="en-US" altLang="nl-NL" sz="1200" dirty="0"/>
-              <a:t>https://www.linkedin.com/in/dineshwari-v-05318b173</a:t>
-            </a:r>
-          </a:p>
-          <a:p>
-            <a:pPr eaLnBrk="1" hangingPunct="1">
-              <a:lnSpc>
-                <a:spcPct val="114000"/>
-              </a:lnSpc>
-            </a:pPr>
             <a:endParaRPr lang="en-IN" altLang="en-US" sz="1200" dirty="0"/>
           </a:p>
           <a:p>
@@ -3956,8 +3945,8 @@
         </p:nvSpPr>
         <p:spPr>
           <a:xfrm>
-            <a:off x="439738" y="2736230"/>
-            <a:ext cx="4057650" cy="2436488"/>
+            <a:off x="488950" y="2736230"/>
+            <a:ext cx="4008437" cy="3621728"/>
           </a:xfrm>
         </p:spPr>
         <p:txBody>
@@ -4027,14 +4016,7 @@
             </a:br>
             <a:r>
               <a:rPr lang="en-US" altLang="nl-NL" sz="1200" dirty="0"/>
-              <a:t> https://github.com/dineshwv/dineshwari_resume.git</a:t>
-            </a:r>
-          </a:p>
-          <a:p>
-            <a:pPr marL="171450" indent="-171450"/>
-            <a:r>
-              <a:rPr lang="en-US" altLang="nl-NL" sz="1200" dirty="0"/>
-              <a:t>			</a:t>
+              <a:t>  			</a:t>
             </a:r>
           </a:p>
           <a:p>
@@ -5266,6 +5248,142 @@
         </p:blipFill>
         <p:spPr/>
       </p:pic>
+      <p:graphicFrame>
+        <p:nvGraphicFramePr>
+          <p:cNvPr id="10" name="Table 9">
+            <a:extLst>
+              <a:ext uri="{FF2B5EF4-FFF2-40B4-BE49-F238E27FC236}">
+                <a16:creationId xmlns:a16="http://schemas.microsoft.com/office/drawing/2014/main" id="{30090220-14A8-42E7-B4E9-BC736CEDBCCD}"/>
+              </a:ext>
+            </a:extLst>
+          </p:cNvPr>
+          <p:cNvGraphicFramePr>
+            <a:graphicFrameLocks noGrp="1"/>
+          </p:cNvGraphicFramePr>
+          <p:nvPr>
+            <p:extLst>
+              <p:ext uri="{D42A27DB-BD31-4B8C-83A1-F6EECF244321}">
+                <p14:modId xmlns:p14="http://schemas.microsoft.com/office/powerpoint/2010/main" val="1986023992"/>
+              </p:ext>
+            </p:extLst>
+          </p:nvPr>
+        </p:nvGraphicFramePr>
+        <p:xfrm>
+          <a:off x="774550" y="4437111"/>
+          <a:ext cx="8345785" cy="2826941"/>
+        </p:xfrm>
+        <a:graphic>
+          <a:graphicData uri="http://schemas.openxmlformats.org/drawingml/2006/table">
+            <a:tbl>
+              <a:tblPr/>
+              <a:tblGrid>
+                <a:gridCol w="8345785">
+                  <a:extLst>
+                    <a:ext uri="{9D8B030D-6E8A-4147-A177-3AD203B41FA5}">
+                      <a16:colId xmlns:a16="http://schemas.microsoft.com/office/drawing/2014/main" val="3825577789"/>
+                    </a:ext>
+                  </a:extLst>
+                </a:gridCol>
+              </a:tblGrid>
+              <a:tr h="2826941">
+                <a:tc>
+                  <a:txBody>
+                    <a:bodyPr/>
+                    <a:lstStyle/>
+                    <a:p>
+                      <a:pPr algn="l" fontAlgn="ctr"/>
+                      <a:r>
+                        <a:rPr lang="en-IN" sz="1100" b="0" i="0" u="sng" strike="noStrike" dirty="0">
+                          <a:solidFill>
+                            <a:srgbClr val="0563C1"/>
+                          </a:solidFill>
+                          <a:effectLst/>
+                          <a:latin typeface="Calibri" panose="020F0502020204030204" pitchFamily="34" charset="0"/>
+                          <a:hlinkClick r:id="rId9"/>
+                        </a:rPr>
+                        <a:t>https://github.com/dineshwv/dineshwari_resume.git</a:t>
+                      </a:r>
+                      <a:r>
+                        <a:rPr lang="en-IN" sz="1100" b="0" i="0" u="sng" strike="noStrike" dirty="0">
+                          <a:solidFill>
+                            <a:srgbClr val="0563C1"/>
+                          </a:solidFill>
+                          <a:effectLst/>
+                          <a:latin typeface="Calibri" panose="020F0502020204030204" pitchFamily="34" charset="0"/>
+                        </a:rPr>
+                        <a:t>                                   </a:t>
+                      </a:r>
+                      <a:r>
+                        <a:rPr lang="en-IN" sz="1100" b="0" i="0" dirty="0">
+                          <a:solidFill>
+                            <a:schemeClr val="tx1"/>
+                          </a:solidFill>
+                          <a:effectLst/>
+                          <a:latin typeface="+mn-lt"/>
+                          <a:ea typeface="+mn-ea"/>
+                          <a:cs typeface="+mn-cs"/>
+                          <a:hlinkClick r:id="rId10"/>
+                        </a:rPr>
+                        <a:t>https://www.linkedin.com/in/dineshwari-v-05318b173</a:t>
+                      </a:r>
+                      <a:endParaRPr lang="en-IN" sz="1100" b="0" i="0" u="sng" strike="noStrike" dirty="0">
+                        <a:solidFill>
+                          <a:srgbClr val="0563C1"/>
+                        </a:solidFill>
+                        <a:effectLst/>
+                        <a:latin typeface="Calibri" panose="020F0502020204030204" pitchFamily="34" charset="0"/>
+                      </a:endParaRPr>
+                    </a:p>
+                  </a:txBody>
+                  <a:tcPr marL="6350" marR="6350" marT="6350" anchor="ctr">
+                    <a:lnL w="6350" cap="flat" cmpd="sng" algn="ctr">
+                      <a:solidFill>
+                        <a:srgbClr val="000000"/>
+                      </a:solidFill>
+                      <a:prstDash val="solid"/>
+                      <a:round/>
+                      <a:headEnd type="none" w="med" len="med"/>
+                      <a:tailEnd type="none" w="med" len="med"/>
+                    </a:lnL>
+                    <a:lnR w="6350" cap="flat" cmpd="sng" algn="ctr">
+                      <a:solidFill>
+                        <a:srgbClr val="000000"/>
+                      </a:solidFill>
+                      <a:prstDash val="solid"/>
+                      <a:round/>
+                      <a:headEnd type="none" w="med" len="med"/>
+                      <a:tailEnd type="none" w="med" len="med"/>
+                    </a:lnR>
+                    <a:lnT w="6350" cap="flat" cmpd="sng" algn="ctr">
+                      <a:solidFill>
+                        <a:srgbClr val="000000"/>
+                      </a:solidFill>
+                      <a:prstDash val="solid"/>
+                      <a:round/>
+                      <a:headEnd type="none" w="med" len="med"/>
+                      <a:tailEnd type="none" w="med" len="med"/>
+                    </a:lnT>
+                    <a:lnB w="6350" cap="flat" cmpd="sng" algn="ctr">
+                      <a:solidFill>
+                        <a:srgbClr val="000000"/>
+                      </a:solidFill>
+                      <a:prstDash val="solid"/>
+                      <a:round/>
+                      <a:headEnd type="none" w="med" len="med"/>
+                      <a:tailEnd type="none" w="med" len="med"/>
+                    </a:lnB>
+                  </a:tcPr>
+                </a:tc>
+                <a:extLst>
+                  <a:ext uri="{0D108BD9-81ED-4DB2-BD59-A6C34878D82A}">
+                    <a16:rowId xmlns:a16="http://schemas.microsoft.com/office/drawing/2014/main" val="1751835329"/>
+                  </a:ext>
+                </a:extLst>
+              </a:tr>
+            </a:tbl>
+          </a:graphicData>
+        </a:graphic>
+      </p:graphicFrame>
     </p:spTree>
   </p:cSld>
   <p:clrMapOvr>
